--- a/大作业李萍10245501424/quant_strategy_ppt.pptx
+++ b/大作业李萍10245501424/quant_strategy_ppt.pptx
@@ -7,11 +7,13 @@
   <p:sldIdLst>
     <p:sldId id="256" r:id="rId2"/>
     <p:sldId id="257" r:id="rId3"/>
-    <p:sldId id="258" r:id="rId4"/>
-    <p:sldId id="259" r:id="rId5"/>
-    <p:sldId id="260" r:id="rId6"/>
-    <p:sldId id="261" r:id="rId7"/>
-    <p:sldId id="262" r:id="rId8"/>
+    <p:sldId id="265" r:id="rId4"/>
+    <p:sldId id="263" r:id="rId5"/>
+    <p:sldId id="258" r:id="rId6"/>
+    <p:sldId id="264" r:id="rId7"/>
+    <p:sldId id="260" r:id="rId8"/>
+    <p:sldId id="261" r:id="rId9"/>
+    <p:sldId id="262" r:id="rId10"/>
   </p:sldIdLst>
   <p:sldSz cx="9144000" cy="6858000" type="screen4x3"/>
   <p:notesSz cx="6858000" cy="9144000"/>
@@ -308,7 +310,7 @@
           <a:p>
             <a:fld id="{5BCAD085-E8A6-8845-BD4E-CB4CCA059FC4}" type="datetimeFigureOut">
               <a:rPr lang="en-US" smtClean="0"/>
-              <a:t>1/5/2026</a:t>
+              <a:t>1/11/2026</a:t>
             </a:fld>
             <a:endParaRPr lang="en-US"/>
           </a:p>
@@ -476,7 +478,7 @@
           <a:p>
             <a:fld id="{5BCAD085-E8A6-8845-BD4E-CB4CCA059FC4}" type="datetimeFigureOut">
               <a:rPr lang="en-US" smtClean="0"/>
-              <a:t>1/5/2026</a:t>
+              <a:t>1/11/2026</a:t>
             </a:fld>
             <a:endParaRPr lang="en-US"/>
           </a:p>
@@ -654,7 +656,7 @@
           <a:p>
             <a:fld id="{5BCAD085-E8A6-8845-BD4E-CB4CCA059FC4}" type="datetimeFigureOut">
               <a:rPr lang="en-US" smtClean="0"/>
-              <a:t>1/5/2026</a:t>
+              <a:t>1/11/2026</a:t>
             </a:fld>
             <a:endParaRPr lang="en-US"/>
           </a:p>
@@ -822,7 +824,7 @@
           <a:p>
             <a:fld id="{5BCAD085-E8A6-8845-BD4E-CB4CCA059FC4}" type="datetimeFigureOut">
               <a:rPr lang="en-US" smtClean="0"/>
-              <a:t>1/5/2026</a:t>
+              <a:t>1/11/2026</a:t>
             </a:fld>
             <a:endParaRPr lang="en-US"/>
           </a:p>
@@ -1067,7 +1069,7 @@
           <a:p>
             <a:fld id="{5BCAD085-E8A6-8845-BD4E-CB4CCA059FC4}" type="datetimeFigureOut">
               <a:rPr lang="en-US" smtClean="0"/>
-              <a:t>1/5/2026</a:t>
+              <a:t>1/11/2026</a:t>
             </a:fld>
             <a:endParaRPr lang="en-US"/>
           </a:p>
@@ -1352,7 +1354,7 @@
           <a:p>
             <a:fld id="{5BCAD085-E8A6-8845-BD4E-CB4CCA059FC4}" type="datetimeFigureOut">
               <a:rPr lang="en-US" smtClean="0"/>
-              <a:t>1/5/2026</a:t>
+              <a:t>1/11/2026</a:t>
             </a:fld>
             <a:endParaRPr lang="en-US"/>
           </a:p>
@@ -1771,7 +1773,7 @@
           <a:p>
             <a:fld id="{5BCAD085-E8A6-8845-BD4E-CB4CCA059FC4}" type="datetimeFigureOut">
               <a:rPr lang="en-US" smtClean="0"/>
-              <a:t>1/5/2026</a:t>
+              <a:t>1/11/2026</a:t>
             </a:fld>
             <a:endParaRPr lang="en-US"/>
           </a:p>
@@ -1888,7 +1890,7 @@
           <a:p>
             <a:fld id="{5BCAD085-E8A6-8845-BD4E-CB4CCA059FC4}" type="datetimeFigureOut">
               <a:rPr lang="en-US" smtClean="0"/>
-              <a:t>1/5/2026</a:t>
+              <a:t>1/11/2026</a:t>
             </a:fld>
             <a:endParaRPr lang="en-US"/>
           </a:p>
@@ -1983,7 +1985,7 @@
           <a:p>
             <a:fld id="{5BCAD085-E8A6-8845-BD4E-CB4CCA059FC4}" type="datetimeFigureOut">
               <a:rPr lang="en-US" smtClean="0"/>
-              <a:t>1/5/2026</a:t>
+              <a:t>1/11/2026</a:t>
             </a:fld>
             <a:endParaRPr lang="en-US"/>
           </a:p>
@@ -2258,7 +2260,7 @@
           <a:p>
             <a:fld id="{5BCAD085-E8A6-8845-BD4E-CB4CCA059FC4}" type="datetimeFigureOut">
               <a:rPr lang="en-US" smtClean="0"/>
-              <a:t>1/5/2026</a:t>
+              <a:t>1/11/2026</a:t>
             </a:fld>
             <a:endParaRPr lang="en-US"/>
           </a:p>
@@ -2510,7 +2512,7 @@
           <a:p>
             <a:fld id="{5BCAD085-E8A6-8845-BD4E-CB4CCA059FC4}" type="datetimeFigureOut">
               <a:rPr lang="en-US" smtClean="0"/>
-              <a:t>1/5/2026</a:t>
+              <a:t>1/11/2026</a:t>
             </a:fld>
             <a:endParaRPr lang="en-US"/>
           </a:p>
@@ -2721,7 +2723,7 @@
           <a:p>
             <a:fld id="{5BCAD085-E8A6-8845-BD4E-CB4CCA059FC4}" type="datetimeFigureOut">
               <a:rPr lang="en-US" smtClean="0"/>
-              <a:t>1/5/2026</a:t>
+              <a:t>1/11/2026</a:t>
             </a:fld>
             <a:endParaRPr lang="en-US"/>
           </a:p>
@@ -3220,25 +3222,6 @@
       </p:grpSpPr>
       <p:sp>
         <p:nvSpPr>
-          <p:cNvPr id="2" name="Title 1"/>
-          <p:cNvSpPr>
-            <a:spLocks noGrp="1"/>
-          </p:cNvSpPr>
-          <p:nvPr>
-            <p:ph type="title"/>
-          </p:nvPr>
-        </p:nvSpPr>
-        <p:spPr/>
-        <p:txBody>
-          <a:bodyPr/>
-          <a:lstStyle/>
-          <a:p>
-            <a:endParaRPr/>
-          </a:p>
-        </p:txBody>
-      </p:sp>
-      <p:sp>
-        <p:nvSpPr>
           <p:cNvPr id="3" name="TextBox 2"/>
           <p:cNvSpPr txBox="1"/>
           <p:nvPr/>
@@ -3267,8 +3250,10 @@
               </a:defRPr>
             </a:pPr>
             <a:r>
+              <a:rPr dirty="0" err="1"/>
               <a:t>研究背景</a:t>
             </a:r>
+            <a:endParaRPr dirty="0"/>
           </a:p>
         </p:txBody>
       </p:sp>
@@ -3294,7 +3279,7 @@
           </a:bodyPr>
           <a:lstStyle/>
           <a:p>
-            <a:endParaRPr/>
+            <a:endParaRPr dirty="0"/>
           </a:p>
           <a:p>
             <a:pPr>
@@ -3305,8 +3290,14 @@
               </a:defRPr>
             </a:pPr>
             <a:r>
-              <a:t>• 市场波动大，固定仓位组合难以应对短期涨跌</a:t>
-            </a:r>
+              <a:rPr dirty="0"/>
+              <a:t>• </a:t>
+            </a:r>
+            <a:r>
+              <a:rPr dirty="0" err="1"/>
+              <a:t>市场波动大，固定仓位组合难以应对短期涨跌</a:t>
+            </a:r>
+            <a:endParaRPr dirty="0"/>
           </a:p>
           <a:p>
             <a:pPr>
@@ -3317,8 +3308,14 @@
               </a:defRPr>
             </a:pPr>
             <a:r>
-              <a:t>• 固定仓位可能错失收益或承受过高回撤</a:t>
-            </a:r>
+              <a:rPr dirty="0"/>
+              <a:t>• </a:t>
+            </a:r>
+            <a:r>
+              <a:rPr dirty="0" err="1"/>
+              <a:t>固定仓位可能错失收益或承受过高回撤</a:t>
+            </a:r>
+            <a:endParaRPr dirty="0"/>
           </a:p>
           <a:p>
             <a:pPr>
@@ -3329,8 +3326,14 @@
               </a:defRPr>
             </a:pPr>
             <a:r>
-              <a:t>• 本策略基于价格涨跌触发动态加减仓</a:t>
-            </a:r>
+              <a:rPr dirty="0"/>
+              <a:t>• </a:t>
+            </a:r>
+            <a:r>
+              <a:rPr dirty="0" err="1"/>
+              <a:t>本策略基于价格涨跌触发动态加减仓</a:t>
+            </a:r>
+            <a:endParaRPr dirty="0"/>
           </a:p>
           <a:p>
             <a:pPr>
@@ -3341,8 +3344,14 @@
               </a:defRPr>
             </a:pPr>
             <a:r>
-              <a:t>• 通过动态仓位管理，控制风险、提升收益</a:t>
-            </a:r>
+              <a:rPr dirty="0"/>
+              <a:t>• </a:t>
+            </a:r>
+            <a:r>
+              <a:rPr dirty="0" err="1"/>
+              <a:t>通过动态仓位管理，控制风险、提升收益</a:t>
+            </a:r>
+            <a:endParaRPr dirty="0"/>
           </a:p>
         </p:txBody>
       </p:sp>
@@ -3386,7 +3395,7 @@
         </p:blipFill>
         <p:spPr>
           <a:xfrm>
-            <a:off x="457200" y="3931920"/>
+            <a:off x="457200" y="4114800"/>
             <a:ext cx="4114800" cy="1828800"/>
           </a:xfrm>
           <a:prstGeom prst="rect">
@@ -3403,13 +3412,13 @@
           <p:nvPr>
             <p:extLst>
               <p:ext uri="{D42A27DB-BD31-4B8C-83A1-F6EECF244321}">
-                <p14:modId xmlns:p14="http://schemas.microsoft.com/office/powerpoint/2010/main" val="2983436393"/>
+                <p14:modId xmlns:p14="http://schemas.microsoft.com/office/powerpoint/2010/main" val="2323728530"/>
               </p:ext>
             </p:extLst>
           </p:nvPr>
         </p:nvGraphicFramePr>
         <p:xfrm>
-          <a:off x="4571999" y="3931920"/>
+          <a:off x="4609617" y="4114800"/>
           <a:ext cx="4039566" cy="1828800"/>
         </p:xfrm>
         <a:graphic>
@@ -3444,8 +3453,10 @@
                         <a:defRPr sz="1400"/>
                       </a:pPr>
                       <a:r>
+                        <a:rPr dirty="0" err="1"/>
                         <a:t>示例指标</a:t>
                       </a:r>
+                      <a:endParaRPr dirty="0"/>
                     </a:p>
                   </a:txBody>
                   <a:tcPr/>
@@ -3565,6 +3576,651 @@
   <p:cSld>
     <p:spTree>
       <p:nvGrpSpPr>
+        <p:cNvPr id="1" name="">
+          <a:extLst>
+            <a:ext uri="{FF2B5EF4-FFF2-40B4-BE49-F238E27FC236}">
+              <a16:creationId xmlns:a16="http://schemas.microsoft.com/office/drawing/2014/main" id="{B0621EDA-535A-0D46-C888-98547EC54A0B}"/>
+            </a:ext>
+          </a:extLst>
+        </p:cNvPr>
+        <p:cNvGrpSpPr/>
+        <p:nvPr/>
+      </p:nvGrpSpPr>
+      <p:grpSpPr>
+        <a:xfrm>
+          <a:off x="0" y="0"/>
+          <a:ext cx="0" cy="0"/>
+          <a:chOff x="0" y="0"/>
+          <a:chExt cx="0" cy="0"/>
+        </a:xfrm>
+      </p:grpSpPr>
+      <p:sp>
+        <p:nvSpPr>
+          <p:cNvPr id="3" name="TextBox 2">
+            <a:extLst>
+              <a:ext uri="{FF2B5EF4-FFF2-40B4-BE49-F238E27FC236}">
+                <a16:creationId xmlns:a16="http://schemas.microsoft.com/office/drawing/2014/main" id="{B6041F52-EB50-2FE2-AEAC-800E4F5CB198}"/>
+              </a:ext>
+            </a:extLst>
+          </p:cNvPr>
+          <p:cNvSpPr txBox="1"/>
+          <p:nvPr/>
+        </p:nvSpPr>
+        <p:spPr>
+          <a:xfrm>
+            <a:off x="457200" y="457200"/>
+            <a:ext cx="1832553" cy="584775"/>
+          </a:xfrm>
+          <a:prstGeom prst="rect">
+            <a:avLst/>
+          </a:prstGeom>
+          <a:noFill/>
+        </p:spPr>
+        <p:txBody>
+          <a:bodyPr wrap="none">
+            <a:spAutoFit/>
+          </a:bodyPr>
+          <a:lstStyle/>
+          <a:p>
+            <a:pPr>
+              <a:defRPr sz="3200" b="1">
+                <a:solidFill>
+                  <a:srgbClr val="003366"/>
+                </a:solidFill>
+              </a:defRPr>
+            </a:pPr>
+            <a:r>
+              <a:rPr lang="zh-CN" altLang="en-US" dirty="0"/>
+              <a:t>爬虫数据</a:t>
+            </a:r>
+            <a:endParaRPr dirty="0"/>
+          </a:p>
+        </p:txBody>
+      </p:sp>
+      <p:pic>
+        <p:nvPicPr>
+          <p:cNvPr id="9" name="图片 8" descr="表格, Excel&#10;&#10;AI 生成的内容可能不正确。">
+            <a:extLst>
+              <a:ext uri="{FF2B5EF4-FFF2-40B4-BE49-F238E27FC236}">
+                <a16:creationId xmlns:a16="http://schemas.microsoft.com/office/drawing/2014/main" id="{92D8ADEB-2202-07F6-CCB3-7AFC7D0A1569}"/>
+              </a:ext>
+            </a:extLst>
+          </p:cNvPr>
+          <p:cNvPicPr>
+            <a:picLocks noChangeAspect="1"/>
+          </p:cNvPicPr>
+          <p:nvPr/>
+        </p:nvPicPr>
+        <p:blipFill>
+          <a:blip r:embed="rId2"/>
+          <a:stretch>
+            <a:fillRect/>
+          </a:stretch>
+        </p:blipFill>
+        <p:spPr>
+          <a:xfrm>
+            <a:off x="665824" y="1123180"/>
+            <a:ext cx="8478175" cy="5004676"/>
+          </a:xfrm>
+          <a:prstGeom prst="rect">
+            <a:avLst/>
+          </a:prstGeom>
+        </p:spPr>
+      </p:pic>
+    </p:spTree>
+    <p:extLst>
+      <p:ext uri="{BB962C8B-B14F-4D97-AF65-F5344CB8AC3E}">
+        <p14:creationId xmlns:p14="http://schemas.microsoft.com/office/powerpoint/2010/main" val="4216199287"/>
+      </p:ext>
+    </p:extLst>
+  </p:cSld>
+  <p:clrMapOvr>
+    <a:masterClrMapping/>
+  </p:clrMapOvr>
+</p:sld>
+</file>
+
+<file path=ppt/slides/slide4.xml><?xml version="1.0" encoding="utf-8"?>
+<p:sld xmlns:a="http://schemas.openxmlformats.org/drawingml/2006/main" xmlns:r="http://schemas.openxmlformats.org/officeDocument/2006/relationships" xmlns:p="http://schemas.openxmlformats.org/presentationml/2006/main">
+  <p:cSld>
+    <p:spTree>
+      <p:nvGrpSpPr>
+        <p:cNvPr id="1" name="">
+          <a:extLst>
+            <a:ext uri="{FF2B5EF4-FFF2-40B4-BE49-F238E27FC236}">
+              <a16:creationId xmlns:a16="http://schemas.microsoft.com/office/drawing/2014/main" id="{1253539C-DA36-C7D1-4E57-F8C7E4BE9404}"/>
+            </a:ext>
+          </a:extLst>
+        </p:cNvPr>
+        <p:cNvGrpSpPr/>
+        <p:nvPr/>
+      </p:nvGrpSpPr>
+      <p:grpSpPr>
+        <a:xfrm>
+          <a:off x="0" y="0"/>
+          <a:ext cx="0" cy="0"/>
+          <a:chOff x="0" y="0"/>
+          <a:chExt cx="0" cy="0"/>
+        </a:xfrm>
+      </p:grpSpPr>
+      <p:sp>
+        <p:nvSpPr>
+          <p:cNvPr id="3" name="TextBox 2">
+            <a:extLst>
+              <a:ext uri="{FF2B5EF4-FFF2-40B4-BE49-F238E27FC236}">
+                <a16:creationId xmlns:a16="http://schemas.microsoft.com/office/drawing/2014/main" id="{53F02717-65B9-11D8-16E5-FFBD9C9E8BD4}"/>
+              </a:ext>
+            </a:extLst>
+          </p:cNvPr>
+          <p:cNvSpPr txBox="1"/>
+          <p:nvPr/>
+        </p:nvSpPr>
+        <p:spPr>
+          <a:xfrm>
+            <a:off x="457200" y="457200"/>
+            <a:ext cx="3068469" cy="584775"/>
+          </a:xfrm>
+          <a:prstGeom prst="rect">
+            <a:avLst/>
+          </a:prstGeom>
+          <a:noFill/>
+        </p:spPr>
+        <p:txBody>
+          <a:bodyPr wrap="none">
+            <a:spAutoFit/>
+          </a:bodyPr>
+          <a:lstStyle/>
+          <a:p>
+            <a:pPr>
+              <a:defRPr sz="3200" b="1">
+                <a:solidFill>
+                  <a:srgbClr val="003366"/>
+                </a:solidFill>
+              </a:defRPr>
+            </a:pPr>
+            <a:r>
+              <a:rPr lang="zh-CN" altLang="en-US" sz="3200" b="1" dirty="0">
+                <a:solidFill>
+                  <a:srgbClr val="003366"/>
+                </a:solidFill>
+              </a:rPr>
+              <a:t>目标界定与探索</a:t>
+            </a:r>
+            <a:endParaRPr sz="3200" b="1" dirty="0">
+              <a:solidFill>
+                <a:srgbClr val="003366"/>
+              </a:solidFill>
+            </a:endParaRPr>
+          </a:p>
+        </p:txBody>
+      </p:sp>
+      <p:sp>
+        <p:nvSpPr>
+          <p:cNvPr id="4" name="TextBox 3">
+            <a:extLst>
+              <a:ext uri="{FF2B5EF4-FFF2-40B4-BE49-F238E27FC236}">
+                <a16:creationId xmlns:a16="http://schemas.microsoft.com/office/drawing/2014/main" id="{DE26D2D6-88BD-52A4-12C3-8719152A00C2}"/>
+              </a:ext>
+            </a:extLst>
+          </p:cNvPr>
+          <p:cNvSpPr txBox="1"/>
+          <p:nvPr/>
+        </p:nvSpPr>
+        <p:spPr>
+          <a:xfrm>
+            <a:off x="457200" y="1984242"/>
+            <a:ext cx="3657600" cy="1754326"/>
+          </a:xfrm>
+          <a:prstGeom prst="rect">
+            <a:avLst/>
+          </a:prstGeom>
+          <a:solidFill>
+            <a:schemeClr val="accent5">
+              <a:alpha val="50000"/>
+            </a:schemeClr>
+          </a:solidFill>
+          <a:ln>
+            <a:noFill/>
+          </a:ln>
+        </p:spPr>
+        <p:style>
+          <a:lnRef idx="0">
+            <a:scrgbClr r="0" g="0" b="0"/>
+          </a:lnRef>
+          <a:fillRef idx="0">
+            <a:scrgbClr r="0" g="0" b="0"/>
+          </a:fillRef>
+          <a:effectRef idx="0">
+            <a:scrgbClr r="0" g="0" b="0"/>
+          </a:effectRef>
+          <a:fontRef idx="minor">
+            <a:schemeClr val="lt1"/>
+          </a:fontRef>
+        </p:style>
+        <p:txBody>
+          <a:bodyPr wrap="square">
+            <a:spAutoFit/>
+          </a:bodyPr>
+          <a:lstStyle/>
+          <a:p>
+            <a:r>
+              <a:rPr lang="zh-CN" altLang="en-US" b="1" dirty="0">
+                <a:latin typeface="+mn-ea"/>
+              </a:rPr>
+              <a:t>东方财富网提供 </a:t>
+            </a:r>
+            <a:r>
+              <a:rPr lang="en-US" altLang="zh-CN" b="1" dirty="0">
+                <a:latin typeface="+mn-ea"/>
+              </a:rPr>
+              <a:t>A </a:t>
+            </a:r>
+            <a:r>
+              <a:rPr lang="zh-CN" altLang="en-US" b="1" dirty="0">
+                <a:latin typeface="+mn-ea"/>
+              </a:rPr>
+              <a:t>股股票、</a:t>
+            </a:r>
+            <a:r>
+              <a:rPr lang="en-US" altLang="zh-CN" b="1" dirty="0">
+                <a:latin typeface="+mn-ea"/>
+              </a:rPr>
+              <a:t>ETF </a:t>
+            </a:r>
+            <a:r>
+              <a:rPr lang="zh-CN" altLang="en-US" b="1" dirty="0">
+                <a:latin typeface="+mn-ea"/>
+              </a:rPr>
+              <a:t>基金完整的行情数据，是金融数据分析优质数据源</a:t>
+            </a:r>
+            <a:endParaRPr lang="en-US" altLang="zh-CN" b="1" dirty="0">
+              <a:latin typeface="+mn-ea"/>
+            </a:endParaRPr>
+          </a:p>
+          <a:p>
+            <a:r>
+              <a:rPr lang="zh-CN" altLang="en-US" b="1" dirty="0">
+                <a:latin typeface="+mn-ea"/>
+              </a:rPr>
+              <a:t>金融数据分析需要历史 </a:t>
+            </a:r>
+            <a:r>
+              <a:rPr lang="en-US" altLang="zh-CN" b="1" dirty="0">
+                <a:latin typeface="+mn-ea"/>
+              </a:rPr>
+              <a:t>K </a:t>
+            </a:r>
+            <a:r>
+              <a:rPr lang="zh-CN" altLang="en-US" b="1" dirty="0">
+                <a:latin typeface="+mn-ea"/>
+              </a:rPr>
+              <a:t>线数据 </a:t>
+            </a:r>
+            <a:r>
+              <a:rPr lang="en-US" altLang="zh-CN" b="1" dirty="0">
+                <a:latin typeface="+mn-ea"/>
+              </a:rPr>
+              <a:t>+ </a:t>
+            </a:r>
+            <a:r>
+              <a:rPr lang="zh-CN" altLang="en-US" b="1" dirty="0">
+                <a:latin typeface="+mn-ea"/>
+              </a:rPr>
+              <a:t>实时行情数据 结合，支撑后续价格分析需求</a:t>
+            </a:r>
+            <a:endParaRPr sz="2200" b="1" dirty="0">
+              <a:solidFill>
+                <a:srgbClr val="323232"/>
+              </a:solidFill>
+              <a:latin typeface="+mn-ea"/>
+            </a:endParaRPr>
+          </a:p>
+        </p:txBody>
+      </p:sp>
+      <p:sp>
+        <p:nvSpPr>
+          <p:cNvPr id="9" name="文本框 8">
+            <a:extLst>
+              <a:ext uri="{FF2B5EF4-FFF2-40B4-BE49-F238E27FC236}">
+                <a16:creationId xmlns:a16="http://schemas.microsoft.com/office/drawing/2014/main" id="{55CA78D4-AFE4-5347-A8E4-FD7FC54124C7}"/>
+              </a:ext>
+            </a:extLst>
+          </p:cNvPr>
+          <p:cNvSpPr txBox="1"/>
+          <p:nvPr/>
+        </p:nvSpPr>
+        <p:spPr>
+          <a:xfrm>
+            <a:off x="457200" y="3744158"/>
+            <a:ext cx="3657600" cy="2585323"/>
+          </a:xfrm>
+          <a:prstGeom prst="rect">
+            <a:avLst/>
+          </a:prstGeom>
+          <a:solidFill>
+            <a:schemeClr val="accent1">
+              <a:alpha val="50000"/>
+            </a:schemeClr>
+          </a:solidFill>
+          <a:ln>
+            <a:noFill/>
+          </a:ln>
+        </p:spPr>
+        <p:style>
+          <a:lnRef idx="0">
+            <a:scrgbClr r="0" g="0" b="0"/>
+          </a:lnRef>
+          <a:fillRef idx="0">
+            <a:scrgbClr r="0" g="0" b="0"/>
+          </a:fillRef>
+          <a:effectRef idx="0">
+            <a:scrgbClr r="0" g="0" b="0"/>
+          </a:effectRef>
+          <a:fontRef idx="minor">
+            <a:schemeClr val="lt1"/>
+          </a:fontRef>
+        </p:style>
+        <p:txBody>
+          <a:bodyPr wrap="square" rtlCol="0">
+            <a:spAutoFit/>
+          </a:bodyPr>
+          <a:lstStyle/>
+          <a:p>
+            <a:r>
+              <a:rPr lang="zh-CN" altLang="en-US" dirty="0"/>
+              <a:t>拼接规范证券编码：市场代码</a:t>
+            </a:r>
+            <a:r>
+              <a:rPr lang="en-US" altLang="zh-CN" dirty="0"/>
+              <a:t>.</a:t>
+            </a:r>
+            <a:r>
+              <a:rPr lang="zh-CN" altLang="en-US" dirty="0"/>
+              <a:t>股票代码（如 </a:t>
+            </a:r>
+            <a:r>
+              <a:rPr lang="en-US" altLang="zh-CN" dirty="0"/>
+              <a:t>1.000001 </a:t>
+            </a:r>
+            <a:r>
+              <a:rPr lang="zh-CN" altLang="en-US" dirty="0"/>
+              <a:t>平安银行、</a:t>
+            </a:r>
+            <a:r>
+              <a:rPr lang="en-US" altLang="zh-CN" dirty="0"/>
+              <a:t>0.600000 </a:t>
+            </a:r>
+            <a:r>
+              <a:rPr lang="zh-CN" altLang="en-US" dirty="0"/>
+              <a:t>浦发银行）</a:t>
+            </a:r>
+            <a:endParaRPr lang="en-US" altLang="zh-CN" dirty="0"/>
+          </a:p>
+          <a:p>
+            <a:r>
+              <a:rPr lang="zh-CN" altLang="en-US" dirty="0"/>
+              <a:t>接口状态校验：判断 </a:t>
+            </a:r>
+            <a:r>
+              <a:rPr lang="en-US" altLang="zh-CN" dirty="0" err="1"/>
+              <a:t>rc</a:t>
+            </a:r>
+            <a:r>
+              <a:rPr lang="en-US" altLang="zh-CN" dirty="0"/>
+              <a:t>=0 </a:t>
+            </a:r>
+            <a:r>
+              <a:rPr lang="zh-CN" altLang="en-US" dirty="0"/>
+              <a:t>才为正常返回，异常则终止分页数据去重：</a:t>
+            </a:r>
+            <a:r>
+              <a:rPr lang="en-US" altLang="zh-CN" dirty="0" err="1"/>
+              <a:t>dict.fromkeys</a:t>
+            </a:r>
+            <a:r>
+              <a:rPr lang="en-US" altLang="zh-CN" dirty="0"/>
+              <a:t>() </a:t>
+            </a:r>
+            <a:r>
+              <a:rPr lang="zh-CN" altLang="en-US" dirty="0"/>
+              <a:t>保持顺序去重，避免重复股票</a:t>
+            </a:r>
+            <a:endParaRPr lang="en-US" altLang="zh-CN" dirty="0"/>
+          </a:p>
+          <a:p>
+            <a:r>
+              <a:rPr lang="zh-CN" altLang="en-US" dirty="0"/>
+              <a:t>兜底机制：未获取数据时返回示例股票数据，保证程序不中断</a:t>
+            </a:r>
+          </a:p>
+        </p:txBody>
+      </p:sp>
+      <p:sp>
+        <p:nvSpPr>
+          <p:cNvPr id="11" name="文本框 10">
+            <a:extLst>
+              <a:ext uri="{FF2B5EF4-FFF2-40B4-BE49-F238E27FC236}">
+                <a16:creationId xmlns:a16="http://schemas.microsoft.com/office/drawing/2014/main" id="{627638DB-53F8-26FA-910C-080F37CB0EEC}"/>
+              </a:ext>
+            </a:extLst>
+          </p:cNvPr>
+          <p:cNvSpPr txBox="1"/>
+          <p:nvPr/>
+        </p:nvSpPr>
+        <p:spPr>
+          <a:xfrm>
+            <a:off x="4114800" y="1156040"/>
+            <a:ext cx="4487662" cy="2585323"/>
+          </a:xfrm>
+          <a:prstGeom prst="rect">
+            <a:avLst/>
+          </a:prstGeom>
+          <a:solidFill>
+            <a:schemeClr val="accent1">
+              <a:alpha val="50000"/>
+            </a:schemeClr>
+          </a:solidFill>
+          <a:ln>
+            <a:noFill/>
+          </a:ln>
+        </p:spPr>
+        <p:style>
+          <a:lnRef idx="0">
+            <a:scrgbClr r="0" g="0" b="0"/>
+          </a:lnRef>
+          <a:fillRef idx="0">
+            <a:scrgbClr r="0" g="0" b="0"/>
+          </a:fillRef>
+          <a:effectRef idx="0">
+            <a:scrgbClr r="0" g="0" b="0"/>
+          </a:effectRef>
+          <a:fontRef idx="minor">
+            <a:schemeClr val="lt1"/>
+          </a:fontRef>
+        </p:style>
+        <p:txBody>
+          <a:bodyPr wrap="square" rtlCol="0">
+            <a:spAutoFit/>
+          </a:bodyPr>
+          <a:lstStyle/>
+          <a:p>
+            <a:r>
+              <a:rPr lang="zh-CN" altLang="en-US" dirty="0"/>
+              <a:t>完整请求头伪装：添加 </a:t>
+            </a:r>
+            <a:r>
+              <a:rPr lang="en-US" altLang="zh-CN" dirty="0"/>
+              <a:t>User-Agent</a:t>
+            </a:r>
+            <a:r>
+              <a:rPr lang="zh-CN" altLang="en-US" dirty="0"/>
+              <a:t>、</a:t>
+            </a:r>
+            <a:r>
+              <a:rPr lang="en-US" altLang="zh-CN" dirty="0" err="1"/>
+              <a:t>Referer</a:t>
+            </a:r>
+            <a:r>
+              <a:rPr lang="zh-CN" altLang="en-US" dirty="0"/>
+              <a:t>、</a:t>
+            </a:r>
+            <a:r>
+              <a:rPr lang="en-US" altLang="zh-CN" dirty="0"/>
+              <a:t>Cookie</a:t>
+            </a:r>
+            <a:r>
+              <a:rPr lang="zh-CN" altLang="en-US" dirty="0"/>
+              <a:t>、</a:t>
+            </a:r>
+            <a:r>
+              <a:rPr lang="en-US" altLang="zh-CN" dirty="0"/>
+              <a:t>Accept </a:t>
+            </a:r>
+            <a:r>
+              <a:rPr lang="zh-CN" altLang="en-US" dirty="0"/>
+              <a:t>等浏览器字段，模拟真实浏览器请求，避免被识别为爬虫</a:t>
+            </a:r>
+            <a:endParaRPr lang="en-US" altLang="zh-CN" dirty="0"/>
+          </a:p>
+          <a:p>
+            <a:r>
+              <a:rPr lang="zh-CN" altLang="en-US" dirty="0"/>
+              <a:t> 随机延时机制：无固定间隔，规避频率检测</a:t>
+            </a:r>
+            <a:endParaRPr lang="en-US" altLang="zh-CN" dirty="0"/>
+          </a:p>
+          <a:p>
+            <a:r>
+              <a:rPr lang="zh-CN" altLang="en-US" dirty="0"/>
+              <a:t> 分批休眠策略：每批处理完成后，休眠 </a:t>
+            </a:r>
+            <a:r>
+              <a:rPr lang="en-US" altLang="zh-CN" dirty="0"/>
+              <a:t>120-180</a:t>
+            </a:r>
+            <a:r>
+              <a:rPr lang="zh-CN" altLang="en-US" dirty="0"/>
+              <a:t>秒，降低短时间请求量</a:t>
+            </a:r>
+            <a:endParaRPr lang="en-US" altLang="zh-CN" dirty="0"/>
+          </a:p>
+          <a:p>
+            <a:r>
+              <a:rPr lang="zh-CN" altLang="en-US" dirty="0"/>
+              <a:t> 接口参数精简：仅请求必要字段，减少接口负载，降低被风控概率</a:t>
+            </a:r>
+          </a:p>
+        </p:txBody>
+      </p:sp>
+      <p:sp>
+        <p:nvSpPr>
+          <p:cNvPr id="13" name="文本框 12">
+            <a:extLst>
+              <a:ext uri="{FF2B5EF4-FFF2-40B4-BE49-F238E27FC236}">
+                <a16:creationId xmlns:a16="http://schemas.microsoft.com/office/drawing/2014/main" id="{13D89644-55DB-3488-9B17-A18D55432C9F}"/>
+              </a:ext>
+            </a:extLst>
+          </p:cNvPr>
+          <p:cNvSpPr txBox="1"/>
+          <p:nvPr/>
+        </p:nvSpPr>
+        <p:spPr>
+          <a:xfrm>
+            <a:off x="4114800" y="3744158"/>
+            <a:ext cx="4487662" cy="1200329"/>
+          </a:xfrm>
+          <a:prstGeom prst="rect">
+            <a:avLst/>
+          </a:prstGeom>
+          <a:solidFill>
+            <a:schemeClr val="accent5">
+              <a:alpha val="50000"/>
+            </a:schemeClr>
+          </a:solidFill>
+          <a:ln>
+            <a:noFill/>
+          </a:ln>
+        </p:spPr>
+        <p:style>
+          <a:lnRef idx="0">
+            <a:scrgbClr r="0" g="0" b="0"/>
+          </a:lnRef>
+          <a:fillRef idx="0">
+            <a:scrgbClr r="0" g="0" b="0"/>
+          </a:fillRef>
+          <a:effectRef idx="0">
+            <a:scrgbClr r="0" g="0" b="0"/>
+          </a:effectRef>
+          <a:fontRef idx="minor">
+            <a:schemeClr val="lt1"/>
+          </a:fontRef>
+        </p:style>
+        <p:txBody>
+          <a:bodyPr wrap="square" rtlCol="0">
+            <a:spAutoFit/>
+          </a:bodyPr>
+          <a:lstStyle/>
+          <a:p>
+            <a:r>
+              <a:rPr lang="en-US" altLang="zh-CN" dirty="0"/>
+              <a:t>ETF </a:t>
+            </a:r>
+            <a:r>
+              <a:rPr lang="zh-CN" altLang="en-US" dirty="0"/>
+              <a:t>价格校准操作内容：识别 </a:t>
+            </a:r>
+            <a:r>
+              <a:rPr lang="en-US" altLang="zh-CN" dirty="0"/>
+              <a:t>ETF </a:t>
+            </a:r>
+            <a:r>
+              <a:rPr lang="zh-CN" altLang="en-US" dirty="0"/>
+              <a:t>类型，将原始偏低的价格乘以 </a:t>
+            </a:r>
+            <a:r>
+              <a:rPr lang="en-US" altLang="zh-CN" dirty="0"/>
+              <a:t>10 </a:t>
+            </a:r>
+            <a:r>
+              <a:rPr lang="zh-CN" altLang="en-US" dirty="0"/>
+              <a:t>修正</a:t>
+            </a:r>
+            <a:endParaRPr lang="en-US" altLang="zh-CN" dirty="0"/>
+          </a:p>
+          <a:p>
+            <a:r>
+              <a:rPr lang="zh-CN" altLang="en-US" dirty="0"/>
+              <a:t>异常价格兜底处理操作内容：若最新价为 </a:t>
+            </a:r>
+            <a:r>
+              <a:rPr lang="en-US" altLang="zh-CN" dirty="0"/>
+              <a:t>0</a:t>
+            </a:r>
+            <a:r>
+              <a:rPr lang="zh-CN" altLang="en-US" dirty="0"/>
+              <a:t>（接口返回异常），用昨收价替代</a:t>
+            </a:r>
+          </a:p>
+        </p:txBody>
+      </p:sp>
+    </p:spTree>
+    <p:extLst>
+      <p:ext uri="{BB962C8B-B14F-4D97-AF65-F5344CB8AC3E}">
+        <p14:creationId xmlns:p14="http://schemas.microsoft.com/office/powerpoint/2010/main" val="2043743394"/>
+      </p:ext>
+    </p:extLst>
+  </p:cSld>
+  <p:clrMapOvr>
+    <a:masterClrMapping/>
+  </p:clrMapOvr>
+</p:sld>
+</file>
+
+<file path=ppt/slides/slide5.xml><?xml version="1.0" encoding="utf-8"?>
+<p:sld xmlns:a="http://schemas.openxmlformats.org/drawingml/2006/main" xmlns:r="http://schemas.openxmlformats.org/officeDocument/2006/relationships" xmlns:p="http://schemas.openxmlformats.org/presentationml/2006/main">
+  <p:cSld>
+    <p:spTree>
+      <p:nvGrpSpPr>
         <p:cNvPr id="1" name=""/>
         <p:cNvGrpSpPr/>
         <p:nvPr/>
@@ -3586,7 +4242,7 @@
         <p:spPr>
           <a:xfrm>
             <a:off x="457200" y="457200"/>
-            <a:ext cx="4114800" cy="4462760"/>
+            <a:ext cx="4114800" cy="4031873"/>
           </a:xfrm>
           <a:prstGeom prst="rect">
             <a:avLst/>
@@ -3633,16 +4289,6 @@
                 </a:solidFill>
               </a:defRPr>
             </a:pPr>
-            <a:endParaRPr lang="en-US" dirty="0"/>
-          </a:p>
-          <a:p>
-            <a:pPr>
-              <a:defRPr sz="2800" b="1">
-                <a:solidFill>
-                  <a:srgbClr val="003366"/>
-                </a:solidFill>
-              </a:defRPr>
-            </a:pPr>
             <a:endParaRPr dirty="0"/>
           </a:p>
           <a:p>
@@ -3661,8 +4307,18 @@
               <a:t>A股前</a:t>
             </a:r>
             <a:r>
+              <a:t> </a:t>
+            </a:r>
+            <a:r>
+              <a:rPr lang="en-US"/>
+              <a:t>500</a:t>
+            </a:r>
+            <a:r>
+              <a:t>只股票历史日线数据</a:t>
+            </a:r>
+            <a:r>
               <a:rPr dirty="0"/>
-              <a:t> N 只股票历史日线数据（2022–2023）</a:t>
+              <a:t>（2022–2023）</a:t>
             </a:r>
             <a:br>
               <a:rPr dirty="0"/>
@@ -3777,12 +4433,18 @@
 </p:sld>
 </file>
 
-<file path=ppt/slides/slide4.xml><?xml version="1.0" encoding="utf-8"?>
+<file path=ppt/slides/slide6.xml><?xml version="1.0" encoding="utf-8"?>
 <p:sld xmlns:a="http://schemas.openxmlformats.org/drawingml/2006/main" xmlns:r="http://schemas.openxmlformats.org/officeDocument/2006/relationships" xmlns:p="http://schemas.openxmlformats.org/presentationml/2006/main">
   <p:cSld>
     <p:spTree>
       <p:nvGrpSpPr>
-        <p:cNvPr id="1" name=""/>
+        <p:cNvPr id="1" name="">
+          <a:extLst>
+            <a:ext uri="{FF2B5EF4-FFF2-40B4-BE49-F238E27FC236}">
+              <a16:creationId xmlns:a16="http://schemas.microsoft.com/office/drawing/2014/main" id="{7CCB8308-577A-AF5E-EF4B-4A46F2596424}"/>
+            </a:ext>
+          </a:extLst>
+        </p:cNvPr>
         <p:cNvGrpSpPr/>
         <p:nvPr/>
       </p:nvGrpSpPr>
@@ -3796,14 +4458,20 @@
       </p:grpSpPr>
       <p:sp>
         <p:nvSpPr>
-          <p:cNvPr id="2" name="TextBox 1"/>
+          <p:cNvPr id="2" name="TextBox 1">
+            <a:extLst>
+              <a:ext uri="{FF2B5EF4-FFF2-40B4-BE49-F238E27FC236}">
+                <a16:creationId xmlns:a16="http://schemas.microsoft.com/office/drawing/2014/main" id="{1D7FD124-2588-A56B-23E7-F12D3BA1DCE3}"/>
+              </a:ext>
+            </a:extLst>
+          </p:cNvPr>
           <p:cNvSpPr txBox="1"/>
           <p:nvPr/>
         </p:nvSpPr>
         <p:spPr>
           <a:xfrm>
             <a:off x="457199" y="457200"/>
-            <a:ext cx="5283843" cy="4185761"/>
+            <a:ext cx="5283843" cy="800219"/>
           </a:xfrm>
           <a:prstGeom prst="rect">
             <a:avLst/>
@@ -3832,468 +4500,83 @@
             </a:r>
             <a:endParaRPr dirty="0"/>
           </a:p>
-          <a:p>
-            <a:pPr>
-              <a:defRPr sz="2200">
-                <a:solidFill>
-                  <a:srgbClr val="323232"/>
-                </a:solidFill>
-              </a:defRPr>
-            </a:pPr>
-            <a:r>
-              <a:rPr dirty="0" err="1"/>
-              <a:t>核心思想：价格涨跌触发动态加减仓</a:t>
-            </a:r>
-            <a:endParaRPr dirty="0"/>
-          </a:p>
-          <a:p>
-            <a:pPr>
-              <a:defRPr sz="2200">
-                <a:solidFill>
-                  <a:srgbClr val="323232"/>
-                </a:solidFill>
-              </a:defRPr>
-            </a:pPr>
-            <a:r>
-              <a:rPr dirty="0" err="1"/>
-              <a:t>卖出条件：价格涨幅</a:t>
-            </a:r>
-            <a:r>
-              <a:rPr dirty="0"/>
-              <a:t> ≥ 5%</a:t>
-            </a:r>
-          </a:p>
-          <a:p>
-            <a:pPr>
-              <a:defRPr sz="2200">
-                <a:solidFill>
-                  <a:srgbClr val="323232"/>
-                </a:solidFill>
-              </a:defRPr>
-            </a:pPr>
-            <a:r>
-              <a:rPr dirty="0" err="1"/>
-              <a:t>买入条件：价格跌幅</a:t>
-            </a:r>
-            <a:r>
-              <a:rPr dirty="0"/>
-              <a:t> ≥ 5%</a:t>
-            </a:r>
-          </a:p>
-          <a:p>
-            <a:pPr>
-              <a:defRPr sz="2200">
-                <a:solidFill>
-                  <a:srgbClr val="323232"/>
-                </a:solidFill>
-              </a:defRPr>
-            </a:pPr>
-            <a:r>
-              <a:rPr dirty="0" err="1"/>
-              <a:t>调仓比例：每次</a:t>
-            </a:r>
-            <a:r>
-              <a:rPr dirty="0"/>
-              <a:t> ±5%</a:t>
-            </a:r>
-          </a:p>
-          <a:p>
-            <a:pPr>
-              <a:defRPr sz="2200">
-                <a:solidFill>
-                  <a:srgbClr val="323232"/>
-                </a:solidFill>
-              </a:defRPr>
-            </a:pPr>
-            <a:r>
-              <a:rPr dirty="0" err="1"/>
-              <a:t>最大仓位：初始资金</a:t>
-            </a:r>
-            <a:r>
-              <a:rPr dirty="0"/>
-              <a:t> 2 倍</a:t>
-            </a:r>
-          </a:p>
-          <a:p>
-            <a:pPr>
-              <a:defRPr sz="2200">
-                <a:solidFill>
-                  <a:srgbClr val="323232"/>
-                </a:solidFill>
-              </a:defRPr>
-            </a:pPr>
-            <a:endParaRPr dirty="0"/>
-          </a:p>
-          <a:p>
-            <a:pPr>
-              <a:defRPr sz="2200">
-                <a:solidFill>
-                  <a:srgbClr val="323232"/>
-                </a:solidFill>
-              </a:defRPr>
-            </a:pPr>
-            <a:r>
-              <a:rPr dirty="0" err="1"/>
-              <a:t>参数自动学习方法（Parameter</a:t>
-            </a:r>
-            <a:r>
-              <a:rPr dirty="0"/>
-              <a:t> Learning）：</a:t>
-            </a:r>
-          </a:p>
-          <a:p>
-            <a:pPr>
-              <a:defRPr sz="2200">
-                <a:solidFill>
-                  <a:srgbClr val="323232"/>
-                </a:solidFill>
-              </a:defRPr>
-            </a:pPr>
-            <a:r>
-              <a:rPr dirty="0" err="1"/>
-              <a:t>通过历史数据验证与筛选关键参数，提高策略稳健性与客观性</a:t>
-            </a:r>
-            <a:r>
-              <a:rPr dirty="0"/>
-              <a:t>。</a:t>
-            </a:r>
-          </a:p>
-        </p:txBody>
-      </p:sp>
-      <p:pic>
-        <p:nvPicPr>
-          <p:cNvPr id="3" name="Picture 2" descr="image.png"/>
-          <p:cNvPicPr>
-            <a:picLocks noChangeAspect="1"/>
-          </p:cNvPicPr>
+        </p:txBody>
+      </p:sp>
+      <p:sp>
+        <p:nvSpPr>
+          <p:cNvPr id="6" name="文本框 5">
+            <a:extLst>
+              <a:ext uri="{FF2B5EF4-FFF2-40B4-BE49-F238E27FC236}">
+                <a16:creationId xmlns:a16="http://schemas.microsoft.com/office/drawing/2014/main" id="{1D6F4DC8-09C3-F5E0-ADA6-BCB69AAC0C16}"/>
+              </a:ext>
+            </a:extLst>
+          </p:cNvPr>
+          <p:cNvSpPr txBox="1"/>
           <p:nvPr/>
-        </p:nvPicPr>
-        <p:blipFill>
-          <a:blip r:embed="rId2"/>
-          <a:srcRect l="25316" r="24525"/>
-          <a:stretch>
-            <a:fillRect/>
-          </a:stretch>
-        </p:blipFill>
+        </p:nvSpPr>
         <p:spPr>
           <a:xfrm>
-            <a:off x="5914663" y="1015664"/>
-            <a:ext cx="2332299" cy="3300535"/>
+            <a:off x="559293" y="1257419"/>
+            <a:ext cx="7652552" cy="3785652"/>
           </a:xfrm>
           <a:prstGeom prst="rect">
             <a:avLst/>
           </a:prstGeom>
+          <a:noFill/>
         </p:spPr>
-      </p:pic>
-      <p:graphicFrame>
-        <p:nvGraphicFramePr>
-          <p:cNvPr id="4" name="Table 3"/>
-          <p:cNvGraphicFramePr>
-            <a:graphicFrameLocks noGrp="1"/>
-          </p:cNvGraphicFramePr>
-          <p:nvPr/>
-        </p:nvGraphicFramePr>
-        <p:xfrm>
-          <a:off x="457200" y="4572000"/>
-          <a:ext cx="8229600" cy="1706880"/>
-        </p:xfrm>
-        <a:graphic>
-          <a:graphicData uri="http://schemas.openxmlformats.org/drawingml/2006/table">
-            <a:tbl>
-              <a:tblPr firstRow="1" bandRow="1">
-                <a:tableStyleId>{5C22544A-7EE6-4342-B048-85BDC9FD1C3A}</a:tableStyleId>
-              </a:tblPr>
-              <a:tblGrid>
-                <a:gridCol w="2057400">
-                  <a:extLst>
-                    <a:ext uri="{9D8B030D-6E8A-4147-A177-3AD203B41FA5}">
-                      <a16:colId xmlns:a16="http://schemas.microsoft.com/office/drawing/2014/main" val="20000"/>
-                    </a:ext>
-                  </a:extLst>
-                </a:gridCol>
-                <a:gridCol w="2057400">
-                  <a:extLst>
-                    <a:ext uri="{9D8B030D-6E8A-4147-A177-3AD203B41FA5}">
-                      <a16:colId xmlns:a16="http://schemas.microsoft.com/office/drawing/2014/main" val="20001"/>
-                    </a:ext>
-                  </a:extLst>
-                </a:gridCol>
-                <a:gridCol w="2057400">
-                  <a:extLst>
-                    <a:ext uri="{9D8B030D-6E8A-4147-A177-3AD203B41FA5}">
-                      <a16:colId xmlns:a16="http://schemas.microsoft.com/office/drawing/2014/main" val="20002"/>
-                    </a:ext>
-                  </a:extLst>
-                </a:gridCol>
-                <a:gridCol w="2057400">
-                  <a:extLst>
-                    <a:ext uri="{9D8B030D-6E8A-4147-A177-3AD203B41FA5}">
-                      <a16:colId xmlns:a16="http://schemas.microsoft.com/office/drawing/2014/main" val="20003"/>
-                    </a:ext>
-                  </a:extLst>
-                </a:gridCol>
-              </a:tblGrid>
-              <a:tr h="228600">
-                <a:tc>
-                  <a:txBody>
-                    <a:bodyPr/>
-                    <a:lstStyle/>
-                    <a:p>
-                      <a:r>
-                        <a:t>参数</a:t>
-                      </a:r>
-                    </a:p>
-                  </a:txBody>
-                  <a:tcPr/>
-                </a:tc>
-                <a:tc>
-                  <a:txBody>
-                    <a:bodyPr/>
-                    <a:lstStyle/>
-                    <a:p>
-                      <a:r>
-                        <a:t>含义</a:t>
-                      </a:r>
-                    </a:p>
-                  </a:txBody>
-                  <a:tcPr/>
-                </a:tc>
-                <a:tc>
-                  <a:txBody>
-                    <a:bodyPr/>
-                    <a:lstStyle/>
-                    <a:p>
-                      <a:r>
-                        <a:t>搜索范围</a:t>
-                      </a:r>
-                    </a:p>
-                  </a:txBody>
-                  <a:tcPr/>
-                </a:tc>
-                <a:tc>
-                  <a:txBody>
-                    <a:bodyPr/>
-                    <a:lstStyle/>
-                    <a:p>
-                      <a:r>
-                        <a:t>对策略影响</a:t>
-                      </a:r>
-                    </a:p>
-                  </a:txBody>
-                  <a:tcPr/>
-                </a:tc>
-                <a:extLst>
-                  <a:ext uri="{0D108BD9-81ED-4DB2-BD59-A6C34878D82A}">
-                    <a16:rowId xmlns:a16="http://schemas.microsoft.com/office/drawing/2014/main" val="10000"/>
-                  </a:ext>
-                </a:extLst>
-              </a:tr>
-              <a:tr h="228600">
-                <a:tc>
-                  <a:txBody>
-                    <a:bodyPr/>
-                    <a:lstStyle/>
-                    <a:p>
-                      <a:pPr>
-                        <a:defRPr sz="1400"/>
-                      </a:pPr>
-                      <a:r>
-                        <a:t>PRICE_TRIGGER</a:t>
-                      </a:r>
-                    </a:p>
-                  </a:txBody>
-                  <a:tcPr/>
-                </a:tc>
-                <a:tc>
-                  <a:txBody>
-                    <a:bodyPr/>
-                    <a:lstStyle/>
-                    <a:p>
-                      <a:pPr>
-                        <a:defRPr sz="1400"/>
-                      </a:pPr>
-                      <a:r>
-                        <a:t>触发买卖操作的价格涨跌幅</a:t>
-                      </a:r>
-                    </a:p>
-                  </a:txBody>
-                  <a:tcPr/>
-                </a:tc>
-                <a:tc>
-                  <a:txBody>
-                    <a:bodyPr/>
-                    <a:lstStyle/>
-                    <a:p>
-                      <a:pPr>
-                        <a:defRPr sz="1400"/>
-                      </a:pPr>
-                      <a:r>
-                        <a:t>3%,5%,7%</a:t>
-                      </a:r>
-                    </a:p>
-                  </a:txBody>
-                  <a:tcPr/>
-                </a:tc>
-                <a:tc>
-                  <a:txBody>
-                    <a:bodyPr/>
-                    <a:lstStyle/>
-                    <a:p>
-                      <a:pPr>
-                        <a:defRPr sz="1400"/>
-                      </a:pPr>
-                      <a:r>
-                        <a:t>阈值小→频繁交易，阈值大→滞后交易</a:t>
-                      </a:r>
-                    </a:p>
-                  </a:txBody>
-                  <a:tcPr/>
-                </a:tc>
-                <a:extLst>
-                  <a:ext uri="{0D108BD9-81ED-4DB2-BD59-A6C34878D82A}">
-                    <a16:rowId xmlns:a16="http://schemas.microsoft.com/office/drawing/2014/main" val="10001"/>
-                  </a:ext>
-                </a:extLst>
-              </a:tr>
-              <a:tr h="228600">
-                <a:tc>
-                  <a:txBody>
-                    <a:bodyPr/>
-                    <a:lstStyle/>
-                    <a:p>
-                      <a:pPr>
-                        <a:defRPr sz="1400"/>
-                      </a:pPr>
-                      <a:r>
-                        <a:t>TRADE_RATIO</a:t>
-                      </a:r>
-                    </a:p>
-                  </a:txBody>
-                  <a:tcPr/>
-                </a:tc>
-                <a:tc>
-                  <a:txBody>
-                    <a:bodyPr/>
-                    <a:lstStyle/>
-                    <a:p>
-                      <a:pPr>
-                        <a:defRPr sz="1400"/>
-                      </a:pPr>
-                      <a:r>
-                        <a:t>每次加减仓比例</a:t>
-                      </a:r>
-                    </a:p>
-                  </a:txBody>
-                  <a:tcPr/>
-                </a:tc>
-                <a:tc>
-                  <a:txBody>
-                    <a:bodyPr/>
-                    <a:lstStyle/>
-                    <a:p>
-                      <a:pPr>
-                        <a:defRPr sz="1400"/>
-                      </a:pPr>
-                      <a:r>
-                        <a:t>3%,5%,10%</a:t>
-                      </a:r>
-                    </a:p>
-                  </a:txBody>
-                  <a:tcPr/>
-                </a:tc>
-                <a:tc>
-                  <a:txBody>
-                    <a:bodyPr/>
-                    <a:lstStyle/>
-                    <a:p>
-                      <a:pPr>
-                        <a:defRPr sz="1400"/>
-                      </a:pPr>
-                      <a:r>
-                        <a:t>大→波动大，小→调仓缓慢</a:t>
-                      </a:r>
-                    </a:p>
-                  </a:txBody>
-                  <a:tcPr/>
-                </a:tc>
-                <a:extLst>
-                  <a:ext uri="{0D108BD9-81ED-4DB2-BD59-A6C34878D82A}">
-                    <a16:rowId xmlns:a16="http://schemas.microsoft.com/office/drawing/2014/main" val="10002"/>
-                  </a:ext>
-                </a:extLst>
-              </a:tr>
-              <a:tr h="228600">
-                <a:tc>
-                  <a:txBody>
-                    <a:bodyPr/>
-                    <a:lstStyle/>
-                    <a:p>
-                      <a:pPr>
-                        <a:defRPr sz="1400"/>
-                      </a:pPr>
-                      <a:r>
-                        <a:t>MAX_POSITION_MULT</a:t>
-                      </a:r>
-                    </a:p>
-                  </a:txBody>
-                  <a:tcPr/>
-                </a:tc>
-                <a:tc>
-                  <a:txBody>
-                    <a:bodyPr/>
-                    <a:lstStyle/>
-                    <a:p>
-                      <a:pPr>
-                        <a:defRPr sz="1400"/>
-                      </a:pPr>
-                      <a:r>
-                        <a:t>单只股票最大仓位倍数</a:t>
-                      </a:r>
-                    </a:p>
-                  </a:txBody>
-                  <a:tcPr/>
-                </a:tc>
-                <a:tc>
-                  <a:txBody>
-                    <a:bodyPr/>
-                    <a:lstStyle/>
-                    <a:p>
-                      <a:pPr>
-                        <a:defRPr sz="1400"/>
-                      </a:pPr>
-                      <a:r>
-                        <a:t>1.5,2.0</a:t>
-                      </a:r>
-                    </a:p>
-                  </a:txBody>
-                  <a:tcPr/>
-                </a:tc>
-                <a:tc>
-                  <a:txBody>
-                    <a:bodyPr/>
-                    <a:lstStyle/>
-                    <a:p>
-                      <a:pPr>
-                        <a:defRPr sz="1400"/>
-                      </a:pPr>
-                      <a:r>
-                        <a:t>控制单股暴露风险</a:t>
-                      </a:r>
-                    </a:p>
-                  </a:txBody>
-                  <a:tcPr/>
-                </a:tc>
-                <a:extLst>
-                  <a:ext uri="{0D108BD9-81ED-4DB2-BD59-A6C34878D82A}">
-                    <a16:rowId xmlns:a16="http://schemas.microsoft.com/office/drawing/2014/main" val="10003"/>
-                  </a:ext>
-                </a:extLst>
-              </a:tr>
-            </a:tbl>
-          </a:graphicData>
-        </a:graphic>
-      </p:graphicFrame>
+        <p:txBody>
+          <a:bodyPr wrap="square" rtlCol="0">
+            <a:spAutoFit/>
+          </a:bodyPr>
+          <a:lstStyle/>
+          <a:p>
+            <a:r>
+              <a:rPr lang="zh-CN" altLang="en-US" sz="2400" b="1" dirty="0"/>
+              <a:t>均值回归策略</a:t>
+            </a:r>
+            <a:r>
+              <a:rPr lang="zh-CN" altLang="en-US" sz="2400" dirty="0"/>
+              <a:t>：核心盈利逻辑，假设股价大幅波动后向价值中枢回归，当个股单日涨跌幅达设定阈值时，上涨超阈值则减持止盈，下跌超阈值则逢低加仓，每日逐票触发调仓。</a:t>
+            </a:r>
+            <a:endParaRPr lang="en-US" altLang="zh-CN" sz="2400" dirty="0"/>
+          </a:p>
+          <a:p>
+            <a:r>
+              <a:rPr lang="zh-CN" altLang="en-US" sz="2400" b="1" dirty="0"/>
+              <a:t>平稳期随机小幅微调策略</a:t>
+            </a:r>
+            <a:r>
+              <a:rPr lang="zh-CN" altLang="en-US" sz="2400" dirty="0"/>
+              <a:t>：股价波动未达阈值时，对仓位进行 </a:t>
+            </a:r>
+            <a:r>
+              <a:rPr lang="en-US" altLang="zh-CN" sz="2400" dirty="0"/>
+              <a:t>±5% </a:t>
+            </a:r>
+            <a:r>
+              <a:rPr lang="zh-CN" altLang="en-US" sz="2400" dirty="0"/>
+              <a:t>基准仓位的随机微调，模拟实盘交易行为，平滑净值曲线。</a:t>
+            </a:r>
+            <a:endParaRPr lang="en-US" altLang="zh-CN" sz="2400" dirty="0"/>
+          </a:p>
+          <a:p>
+            <a:r>
+              <a:rPr lang="zh-CN" altLang="en-US" sz="2400" b="1" dirty="0"/>
+              <a:t>指标分析策略</a:t>
+            </a:r>
+            <a:r>
+              <a:rPr lang="zh-CN" altLang="en-US" sz="2400" dirty="0"/>
+              <a:t>：通过总收益率（衡量绝对盈利）、最大回撤（衡量极端风险）、夏普比率（衡量收益风险性价比）三大经典指标，客观评估策略表现。</a:t>
+            </a:r>
+          </a:p>
+        </p:txBody>
+      </p:sp>
     </p:spTree>
+    <p:extLst>
+      <p:ext uri="{BB962C8B-B14F-4D97-AF65-F5344CB8AC3E}">
+        <p14:creationId xmlns:p14="http://schemas.microsoft.com/office/powerpoint/2010/main" val="2642719707"/>
+      </p:ext>
+    </p:extLst>
   </p:cSld>
   <p:clrMapOvr>
     <a:masterClrMapping/>
@@ -4301,7 +4584,7 @@
 </p:sld>
 </file>
 
-<file path=ppt/slides/slide5.xml><?xml version="1.0" encoding="utf-8"?>
+<file path=ppt/slides/slide7.xml><?xml version="1.0" encoding="utf-8"?>
 <p:sld xmlns:a="http://schemas.openxmlformats.org/drawingml/2006/main" xmlns:r="http://schemas.openxmlformats.org/officeDocument/2006/relationships" xmlns:p="http://schemas.openxmlformats.org/presentationml/2006/main">
   <p:cSld>
     <p:spTree>
@@ -4385,7 +4668,7 @@
 </p:sld>
 </file>
 
-<file path=ppt/slides/slide6.xml><?xml version="1.0" encoding="utf-8"?>
+<file path=ppt/slides/slide8.xml><?xml version="1.0" encoding="utf-8"?>
 <p:sld xmlns:a="http://schemas.openxmlformats.org/drawingml/2006/main" xmlns:r="http://schemas.openxmlformats.org/officeDocument/2006/relationships" xmlns:p="http://schemas.openxmlformats.org/presentationml/2006/main">
   <p:cSld>
     <p:spTree>
@@ -4424,7 +4707,7 @@
           </a:bodyPr>
           <a:lstStyle/>
           <a:p>
-            <a:endParaRPr/>
+            <a:endParaRPr dirty="0"/>
           </a:p>
           <a:p>
             <a:pPr>
@@ -4435,8 +4718,10 @@
               </a:defRPr>
             </a:pPr>
             <a:r>
+              <a:rPr dirty="0" err="1"/>
               <a:t>基准选择与说明</a:t>
             </a:r>
+            <a:endParaRPr dirty="0"/>
           </a:p>
           <a:p>
             <a:pPr>
@@ -4447,8 +4732,22 @@
               </a:defRPr>
             </a:pPr>
             <a:r>
-              <a:t>• 等权组合（EqualWeight）：所有选定股票等权持仓</a:t>
-            </a:r>
+              <a:rPr dirty="0"/>
+              <a:t>• </a:t>
+            </a:r>
+            <a:r>
+              <a:rPr dirty="0" err="1"/>
+              <a:t>等权组合（EqualWeight</a:t>
+            </a:r>
+            <a:r>
+              <a:rPr dirty="0"/>
+              <a:t>）：</a:t>
+            </a:r>
+            <a:r>
+              <a:rPr dirty="0" err="1"/>
+              <a:t>所有选定股票等权持仓</a:t>
+            </a:r>
+            <a:endParaRPr dirty="0"/>
           </a:p>
           <a:p>
             <a:pPr>
@@ -4459,8 +4758,14 @@
               </a:defRPr>
             </a:pPr>
             <a:r>
-              <a:t>• 沪深300指数（HS300）：市场代表指数</a:t>
-            </a:r>
+              <a:rPr dirty="0"/>
+              <a:t>• 沪深300指数（HS300）：</a:t>
+            </a:r>
+            <a:r>
+              <a:rPr dirty="0" err="1"/>
+              <a:t>市场代表指数</a:t>
+            </a:r>
+            <a:endParaRPr dirty="0"/>
           </a:p>
           <a:p>
             <a:pPr>
@@ -4471,8 +4776,14 @@
               </a:defRPr>
             </a:pPr>
             <a:r>
-              <a:t>• 对齐起点日期，统一归一化比较</a:t>
-            </a:r>
+              <a:rPr dirty="0"/>
+              <a:t>• </a:t>
+            </a:r>
+            <a:r>
+              <a:rPr dirty="0" err="1"/>
+              <a:t>对齐起点日期，统一归一化比较</a:t>
+            </a:r>
+            <a:endParaRPr dirty="0"/>
           </a:p>
           <a:p>
             <a:pPr>
@@ -4483,8 +4794,14 @@
               </a:defRPr>
             </a:pPr>
             <a:r>
-              <a:t>• 对比策略净值曲线，直观评估策略超额收益</a:t>
-            </a:r>
+              <a:rPr dirty="0"/>
+              <a:t>• </a:t>
+            </a:r>
+            <a:r>
+              <a:rPr dirty="0" err="1"/>
+              <a:t>对比策略净值曲线，直观评估策略超额收益</a:t>
+            </a:r>
+            <a:endParaRPr dirty="0"/>
           </a:p>
         </p:txBody>
       </p:sp>
@@ -4753,7 +5070,7 @@
 </p:sld>
 </file>
 
-<file path=ppt/slides/slide7.xml><?xml version="1.0" encoding="utf-8"?>
+<file path=ppt/slides/slide9.xml><?xml version="1.0" encoding="utf-8"?>
 <p:sld xmlns:a="http://schemas.openxmlformats.org/drawingml/2006/main" xmlns:r="http://schemas.openxmlformats.org/officeDocument/2006/relationships" xmlns:p="http://schemas.openxmlformats.org/presentationml/2006/main">
   <p:cSld>
     <p:spTree>
@@ -4778,8 +5095,8 @@
         </p:nvSpPr>
         <p:spPr>
           <a:xfrm>
-            <a:off x="457200" y="457200"/>
-            <a:ext cx="8229600" cy="731520"/>
+            <a:off x="548640" y="395056"/>
+            <a:ext cx="2108269" cy="553998"/>
           </a:xfrm>
           <a:prstGeom prst="rect">
             <a:avLst/>
@@ -4800,8 +5117,10 @@
               </a:defRPr>
             </a:pPr>
             <a:r>
+              <a:rPr dirty="0" err="1"/>
               <a:t>总结与展望</a:t>
             </a:r>
+            <a:endParaRPr dirty="0"/>
           </a:p>
         </p:txBody>
       </p:sp>
@@ -4932,8 +5251,10 @@
               </a:defRPr>
             </a:pPr>
             <a:r>
+              <a:rPr dirty="0" err="1"/>
               <a:t>未来展望</a:t>
             </a:r>
+            <a:endParaRPr dirty="0"/>
           </a:p>
           <a:p>
             <a:pPr>
@@ -4947,7 +5268,12 @@
               </a:defRPr>
             </a:pPr>
             <a:r>
-              <a:t>引入多因子信号（如动量、波动率、成交量）以增强交易决策。</a:t>
+              <a:rPr dirty="0" err="1"/>
+              <a:t>引入多因子信号（如动量、波动率、成交量）以增强交易决策</a:t>
+            </a:r>
+            <a:r>
+              <a:rPr dirty="0"/>
+              <a:t>。</a:t>
             </a:r>
           </a:p>
           <a:p>
@@ -4962,7 +5288,12 @@
               </a:defRPr>
             </a:pPr>
             <a:r>
-              <a:t>结合风险控制机制（止损、最大回撤约束）进一步优化策略稳定性。</a:t>
+              <a:rPr dirty="0" err="1"/>
+              <a:t>结合风险控制机制（止损、最大回撤约束）进一步优化策略稳定性</a:t>
+            </a:r>
+            <a:r>
+              <a:rPr dirty="0"/>
+              <a:t>。</a:t>
             </a:r>
           </a:p>
           <a:p>
@@ -4977,7 +5308,12 @@
               </a:defRPr>
             </a:pPr>
             <a:r>
-              <a:t>扩展至不同时间尺度数据（高频或长期）以验证策略泛化能力。</a:t>
+              <a:rPr dirty="0" err="1"/>
+              <a:t>扩展至不同时间尺度数据（高频或长期）以验证策略泛化能力</a:t>
+            </a:r>
+            <a:r>
+              <a:rPr dirty="0"/>
+              <a:t>。</a:t>
             </a:r>
           </a:p>
         </p:txBody>
